--- a/doc/ICLR/Presentation.pptx
+++ b/doc/ICLR/Presentation.pptx
@@ -226,7 +226,7 @@
           <a:p>
             <a:fld id="{B397AC92-A940-084B-AA89-8D472F173DBE}" type="datetimeFigureOut">
               <a:rPr lang="en-US" smtClean="0"/>
-              <a:t>4/6/2023</a:t>
+              <a:t>6/17/2023</a:t>
             </a:fld>
             <a:endParaRPr lang="en-US"/>
           </a:p>
@@ -404,7 +404,7 @@
           <a:p>
             <a:fld id="{13D5CB20-77DE-FE48-AC1C-0F8D27F48C2D}" type="datetimeFigureOut">
               <a:rPr lang="en-US" smtClean="0"/>
-              <a:t>4/6/2023</a:t>
+              <a:t>6/17/2023</a:t>
             </a:fld>
             <a:endParaRPr lang="en-US"/>
           </a:p>
@@ -739,21 +739,8 @@
                 <a:ea typeface="Calibri" charset="0"/>
                 <a:cs typeface="Calibri" charset="0"/>
               </a:rPr>
-              <a:t>Pruning Deep Neural Networks from a </a:t>
-            </a:r>
-            <a:r>
-              <a:rPr lang="en-US" altLang="zh-CN" sz="1600">
-                <a:latin typeface="Calibri" charset="0"/>
-                <a:ea typeface="Calibri" charset="0"/>
-                <a:cs typeface="Calibri" charset="0"/>
-              </a:rPr>
-              <a:t>Sparsity Perspective</a:t>
-            </a:r>
-            <a:endParaRPr lang="en-US" altLang="zh-CN" sz="1600" dirty="0">
-              <a:latin typeface="Calibri" charset="0"/>
-              <a:ea typeface="Calibri" charset="0"/>
-              <a:cs typeface="Calibri" charset="0"/>
-            </a:endParaRPr>
+              <a:t>Pruning Deep Neural Networks from a Sparsity Perspective</a:t>
+            </a:r>
           </a:p>
           <a:p>
             <a:pPr marL="0" indent="0">
@@ -3029,7 +3016,7 @@
           <a:p>
             <a:fld id="{1C7500DE-311D-9D44-88CF-4E66CAA162DE}" type="datetime1">
               <a:rPr lang="en-US" smtClean="0"/>
-              <a:t>4/6/2023</a:t>
+              <a:t>6/17/2023</a:t>
             </a:fld>
             <a:endParaRPr lang="en-US"/>
           </a:p>
@@ -3199,7 +3186,7 @@
           <a:p>
             <a:fld id="{088A9A9B-2C45-4E47-A6DA-08B0DF6D0D08}" type="datetime1">
               <a:rPr lang="en-US" smtClean="0"/>
-              <a:t>4/6/2023</a:t>
+              <a:t>6/17/2023</a:t>
             </a:fld>
             <a:endParaRPr lang="en-US"/>
           </a:p>
@@ -3379,7 +3366,7 @@
           <a:p>
             <a:fld id="{CDCFC2DC-EFD4-D646-81BD-5B682B9A8A81}" type="datetime1">
               <a:rPr lang="en-US" smtClean="0"/>
-              <a:t>4/6/2023</a:t>
+              <a:t>6/17/2023</a:t>
             </a:fld>
             <a:endParaRPr lang="en-US"/>
           </a:p>
@@ -3758,7 +3745,7 @@
           <a:p>
             <a:fld id="{E509DA01-7393-5D4E-BB42-AE8BE0806346}" type="datetime1">
               <a:rPr lang="en-US" smtClean="0"/>
-              <a:t>4/6/2023</a:t>
+              <a:t>6/17/2023</a:t>
             </a:fld>
             <a:endParaRPr lang="en-US"/>
           </a:p>
@@ -3866,7 +3853,7 @@
           </a:ln>
           <a:extLst>
             <a:ext uri="{909E8E84-426E-40dd-AFC4-6F175D3DCCD1}">
-              <a14:hiddenFill xmlns:a14="http://schemas.microsoft.com/office/drawing/2010/main" xmlns="">
+              <a14:hiddenFill xmlns="" xmlns:a14="http://schemas.microsoft.com/office/drawing/2010/main">
                 <a:noFill/>
               </a14:hiddenFill>
             </a:ext>
@@ -4015,7 +4002,7 @@
           <a:p>
             <a:fld id="{261DEC57-3F81-7A46-AA34-F62476510537}" type="datetime1">
               <a:rPr lang="en-US" smtClean="0"/>
-              <a:t>4/6/2023</a:t>
+              <a:t>6/17/2023</a:t>
             </a:fld>
             <a:endParaRPr lang="en-US"/>
           </a:p>
@@ -4261,7 +4248,7 @@
           <a:p>
             <a:fld id="{725D9002-E01C-7F4F-91C6-1CA3F658A958}" type="datetime1">
               <a:rPr lang="en-US" smtClean="0"/>
-              <a:t>4/6/2023</a:t>
+              <a:t>6/17/2023</a:t>
             </a:fld>
             <a:endParaRPr lang="en-US"/>
           </a:p>
@@ -4493,7 +4480,7 @@
           <a:p>
             <a:fld id="{4EA3CDF8-767A-CA46-B3C5-FA8F0D32C091}" type="datetime1">
               <a:rPr lang="en-US" smtClean="0"/>
-              <a:t>4/6/2023</a:t>
+              <a:t>6/17/2023</a:t>
             </a:fld>
             <a:endParaRPr lang="en-US"/>
           </a:p>
@@ -4860,7 +4847,7 @@
           <a:p>
             <a:fld id="{AC2FD5CC-5FE9-5B47-94AE-BE231C6C3175}" type="datetime1">
               <a:rPr lang="en-US" smtClean="0"/>
-              <a:t>4/6/2023</a:t>
+              <a:t>6/17/2023</a:t>
             </a:fld>
             <a:endParaRPr lang="en-US"/>
           </a:p>
@@ -4941,7 +4928,7 @@
           </a:ln>
           <a:extLst>
             <a:ext uri="{909E8E84-426E-40dd-AFC4-6F175D3DCCD1}">
-              <a14:hiddenFill xmlns:a14="http://schemas.microsoft.com/office/drawing/2010/main" xmlns="">
+              <a14:hiddenFill xmlns="" xmlns:a14="http://schemas.microsoft.com/office/drawing/2010/main">
                 <a:noFill/>
               </a14:hiddenFill>
             </a:ext>
@@ -4995,7 +4982,7 @@
           <a:p>
             <a:fld id="{8FBC1087-FBBA-7F4D-A4FA-FD296468C930}" type="datetime1">
               <a:rPr lang="en-US" smtClean="0"/>
-              <a:t>4/6/2023</a:t>
+              <a:t>6/17/2023</a:t>
             </a:fld>
             <a:endParaRPr lang="en-US"/>
           </a:p>
@@ -5135,7 +5122,7 @@
           <a:p>
             <a:fld id="{444B7F40-CEDF-8740-85B5-8CED2A84DACE}" type="datetime1">
               <a:rPr lang="en-US" smtClean="0"/>
-              <a:t>4/6/2023</a:t>
+              <a:t>6/17/2023</a:t>
             </a:fld>
             <a:endParaRPr lang="en-US"/>
           </a:p>
@@ -5412,7 +5399,7 @@
           <a:p>
             <a:fld id="{6C6A09B7-70AE-6147-8758-85BBB11B76AE}" type="datetime1">
               <a:rPr lang="en-US" smtClean="0"/>
-              <a:t>4/6/2023</a:t>
+              <a:t>6/17/2023</a:t>
             </a:fld>
             <a:endParaRPr lang="en-US"/>
           </a:p>
@@ -5669,7 +5656,7 @@
           <a:p>
             <a:fld id="{5D6F35BC-DB4F-DD4B-90A5-ADAE49F1F11F}" type="datetime1">
               <a:rPr lang="en-US" smtClean="0"/>
-              <a:t>4/6/2023</a:t>
+              <a:t>6/17/2023</a:t>
             </a:fld>
             <a:endParaRPr lang="en-US"/>
           </a:p>
@@ -5750,7 +5737,7 @@
           </a:ln>
           <a:extLst>
             <a:ext uri="{909E8E84-426E-40dd-AFC4-6F175D3DCCD1}">
-              <a14:hiddenFill xmlns:a14="http://schemas.microsoft.com/office/drawing/2010/main" xmlns="">
+              <a14:hiddenFill xmlns="" xmlns:a14="http://schemas.microsoft.com/office/drawing/2010/main">
                 <a:noFill/>
               </a14:hiddenFill>
             </a:ext>
@@ -5972,7 +5959,7 @@
           <a:p>
             <a:fld id="{BAA7AA9D-FF7D-FA42-963E-3D8A1C39E1B2}" type="datetime1">
               <a:rPr lang="en-US" smtClean="0"/>
-              <a:t>4/6/2023</a:t>
+              <a:t>6/17/2023</a:t>
             </a:fld>
             <a:endParaRPr lang="en-US"/>
           </a:p>
@@ -6381,10 +6368,10 @@
       </p:grpSpPr>
       <p:pic>
         <p:nvPicPr>
-          <p:cNvPr id="14" name="图片 13" descr="QR 代码&#10;&#10;描述已自动生成">
+          <p:cNvPr id="8" name="Picture 7" descr="A qr code with black squares&#10;&#10;Description automatically generated with low confidence">
             <a:extLst>
               <a:ext uri="{FF2B5EF4-FFF2-40B4-BE49-F238E27FC236}">
-                <a16:creationId xmlns:a16="http://schemas.microsoft.com/office/drawing/2014/main" id="{0493271B-9CDE-1E9C-B6BA-53B544624061}"/>
+                <a16:creationId xmlns:a16="http://schemas.microsoft.com/office/drawing/2014/main" id="{A67276C5-3C65-EBA8-E341-A4BB5BB6DBC7}"/>
               </a:ext>
             </a:extLst>
           </p:cNvPr>
@@ -6401,6 +6388,36 @@
         </p:blipFill>
         <p:spPr>
           <a:xfrm>
+            <a:off x="9018090" y="5396443"/>
+            <a:ext cx="1395623" cy="1395623"/>
+          </a:xfrm>
+          <a:prstGeom prst="rect">
+            <a:avLst/>
+          </a:prstGeom>
+        </p:spPr>
+      </p:pic>
+      <p:pic>
+        <p:nvPicPr>
+          <p:cNvPr id="14" name="图片 13" descr="QR 代码&#10;&#10;描述已自动生成">
+            <a:extLst>
+              <a:ext uri="{FF2B5EF4-FFF2-40B4-BE49-F238E27FC236}">
+                <a16:creationId xmlns:a16="http://schemas.microsoft.com/office/drawing/2014/main" id="{0493271B-9CDE-1E9C-B6BA-53B544624061}"/>
+              </a:ext>
+            </a:extLst>
+          </p:cNvPr>
+          <p:cNvPicPr>
+            <a:picLocks noChangeAspect="1"/>
+          </p:cNvPicPr>
+          <p:nvPr/>
+        </p:nvPicPr>
+        <p:blipFill>
+          <a:blip r:embed="rId4"/>
+          <a:stretch>
+            <a:fillRect/>
+          </a:stretch>
+        </p:blipFill>
+        <p:spPr>
+          <a:xfrm>
             <a:off x="10750160" y="5411502"/>
             <a:ext cx="1395622" cy="1395622"/>
           </a:xfrm>
@@ -6516,7 +6533,7 @@
           <p:nvPr/>
         </p:nvPicPr>
         <p:blipFill>
-          <a:blip r:embed="rId4"/>
+          <a:blip r:embed="rId5"/>
           <a:stretch>
             <a:fillRect/>
           </a:stretch>
@@ -7101,7 +7118,7 @@
           <p:nvPr/>
         </p:nvPicPr>
         <p:blipFill>
-          <a:blip r:embed="rId5">
+          <a:blip r:embed="rId6">
             <a:extLst>
               <a:ext uri="{28A0092B-C50C-407E-A947-70E740481C1C}">
                 <a14:useLocalDpi xmlns:a14="http://schemas.microsoft.com/office/drawing/2010/main" val="0"/>
@@ -7116,36 +7133,6 @@
           <a:xfrm>
             <a:off x="222918" y="5884416"/>
             <a:ext cx="842477" cy="842477"/>
-          </a:xfrm>
-          <a:prstGeom prst="rect">
-            <a:avLst/>
-          </a:prstGeom>
-        </p:spPr>
-      </p:pic>
-      <p:pic>
-        <p:nvPicPr>
-          <p:cNvPr id="6" name="图片 5" descr="QR 代码&#10;&#10;描述已自动生成">
-            <a:extLst>
-              <a:ext uri="{FF2B5EF4-FFF2-40B4-BE49-F238E27FC236}">
-                <a16:creationId xmlns:a16="http://schemas.microsoft.com/office/drawing/2014/main" id="{1B55E7EB-4BF4-DFDB-8F3B-E7B3AF1BBF6E}"/>
-              </a:ext>
-            </a:extLst>
-          </p:cNvPr>
-          <p:cNvPicPr>
-            <a:picLocks noChangeAspect="1"/>
-          </p:cNvPicPr>
-          <p:nvPr/>
-        </p:nvPicPr>
-        <p:blipFill>
-          <a:blip r:embed="rId6"/>
-          <a:stretch>
-            <a:fillRect/>
-          </a:stretch>
-        </p:blipFill>
-        <p:spPr>
-          <a:xfrm>
-            <a:off x="9018091" y="5393885"/>
-            <a:ext cx="1395622" cy="1395622"/>
           </a:xfrm>
           <a:prstGeom prst="rect">
             <a:avLst/>
@@ -8288,8 +8275,8 @@
           </a:prstGeom>
         </p:spPr>
       </p:pic>
-      <mc:AlternateContent xmlns:mc="http://schemas.openxmlformats.org/markup-compatibility/2006">
-        <mc:Choice xmlns:a14="http://schemas.microsoft.com/office/drawing/2010/main" Requires="a14">
+      <mc:AlternateContent xmlns:mc="http://schemas.openxmlformats.org/markup-compatibility/2006" xmlns:a14="http://schemas.microsoft.com/office/drawing/2010/main">
+        <mc:Choice Requires="a14">
           <p:sp>
             <p:nvSpPr>
               <p:cNvPr id="15" name="Content Placeholder 2">
@@ -8532,7 +8519,7 @@
             </p:txBody>
           </p:sp>
         </mc:Choice>
-        <mc:Fallback>
+        <mc:Fallback xmlns="">
           <p:sp>
             <p:nvSpPr>
               <p:cNvPr id="15" name="Content Placeholder 2">
@@ -8696,7 +8683,7 @@
           </a:ln>
           <a:extLst>
             <a:ext uri="{C572A759-6A51-4108-AA02-DFA0A04FC94B}">
-              <ma14:wrappingTextBoxFlag xmlns="" xmlns:m="http://schemas.openxmlformats.org/officeDocument/2006/math" xmlns:a14="http://schemas.microsoft.com/office/drawing/2010/main" xmlns:ma14="http://schemas.microsoft.com/office/mac/drawingml/2011/main" val="1"/>
+              <ma14:wrappingTextBoxFlag xmlns:ma14="http://schemas.microsoft.com/office/mac/drawingml/2011/main" xmlns:a14="http://schemas.microsoft.com/office/drawing/2010/main" xmlns:m="http://schemas.openxmlformats.org/officeDocument/2006/math" xmlns="" val="1"/>
             </a:ext>
           </a:extLst>
         </p:spPr>
@@ -9470,7 +9457,7 @@
           </a:ln>
           <a:extLst>
             <a:ext uri="{C572A759-6A51-4108-AA02-DFA0A04FC94B}">
-              <ma14:wrappingTextBoxFlag xmlns="" xmlns:m="http://schemas.openxmlformats.org/officeDocument/2006/math" xmlns:a14="http://schemas.microsoft.com/office/drawing/2010/main" xmlns:ma14="http://schemas.microsoft.com/office/mac/drawingml/2011/main" val="1"/>
+              <ma14:wrappingTextBoxFlag xmlns:ma14="http://schemas.microsoft.com/office/mac/drawingml/2011/main" xmlns:a14="http://schemas.microsoft.com/office/drawing/2010/main" xmlns:m="http://schemas.openxmlformats.org/officeDocument/2006/math" xmlns="" val="1"/>
             </a:ext>
           </a:extLst>
         </p:spPr>
@@ -9735,7 +9722,7 @@
           </a:ln>
           <a:extLst>
             <a:ext uri="{C572A759-6A51-4108-AA02-DFA0A04FC94B}">
-              <ma14:wrappingTextBoxFlag xmlns="" xmlns:m="http://schemas.openxmlformats.org/officeDocument/2006/math" xmlns:a14="http://schemas.microsoft.com/office/drawing/2010/main" xmlns:ma14="http://schemas.microsoft.com/office/mac/drawingml/2011/main" val="1"/>
+              <ma14:wrappingTextBoxFlag xmlns:ma14="http://schemas.microsoft.com/office/mac/drawingml/2011/main" xmlns:a14="http://schemas.microsoft.com/office/drawing/2010/main" xmlns:m="http://schemas.openxmlformats.org/officeDocument/2006/math" xmlns="" val="1"/>
             </a:ext>
           </a:extLst>
         </p:spPr>
@@ -10306,7 +10293,7 @@
               </a:ln>
               <a:extLst>
                 <a:ext uri="{C572A759-6A51-4108-AA02-DFA0A04FC94B}">
-                  <ma14:wrappingTextBoxFlag xmlns="" xmlns:m="http://schemas.openxmlformats.org/officeDocument/2006/math" xmlns:ma14="http://schemas.microsoft.com/office/mac/drawingml/2011/main" val="1"/>
+                  <ma14:wrappingTextBoxFlag xmlns:ma14="http://schemas.microsoft.com/office/mac/drawingml/2011/main" xmlns:m="http://schemas.openxmlformats.org/officeDocument/2006/math" xmlns="" val="1"/>
                 </a:ext>
               </a:extLst>
             </p:spPr>
@@ -10543,7 +10530,7 @@
               </a:ln>
               <a:extLst>
                 <a:ext uri="{C572A759-6A51-4108-AA02-DFA0A04FC94B}">
-                  <ma14:wrappingTextBoxFlag xmlns="" xmlns:m="http://schemas.openxmlformats.org/officeDocument/2006/math" xmlns:ma14="http://schemas.microsoft.com/office/mac/drawingml/2011/main" val="1"/>
+                  <ma14:wrappingTextBoxFlag xmlns:ma14="http://schemas.microsoft.com/office/mac/drawingml/2011/main" xmlns:m="http://schemas.openxmlformats.org/officeDocument/2006/math" xmlns="" val="1"/>
                 </a:ext>
               </a:extLst>
             </p:spPr>
